--- a/災害時に特化したSNSサービス.pptx
+++ b/災害時に特化したSNSサービス.pptx
@@ -205,7 +205,7 @@
           <a:p>
             <a:fld id="{0F382033-4854-4ACB-8005-8FFC4ACC8EF0}" type="datetimeFigureOut">
               <a:rPr kumimoji="1" lang="ja-JP" altLang="en-US" smtClean="0"/>
-              <a:t>2020/11/25</a:t>
+              <a:t>2020/11/26</a:t>
             </a:fld>
             <a:endParaRPr kumimoji="1" lang="ja-JP" altLang="en-US"/>
           </a:p>
@@ -574,23 +574,13 @@
           <a:p>
             <a:r>
               <a:rPr kumimoji="1" lang="ja-JP" altLang="en-US" dirty="0" smtClean="0"/>
-              <a:t>今後も多くの災害に見舞われる可能性が高い日本では災害時の情報取得（情報共有）の重要性はますます高くなっていくと私たちは考える。</a:t>
+              <a:t>今後も多くの災害に見舞われる可能性が高い日本では災害時の情報取得（情報共有）の重要性はますます高くなっていくと私たちは</a:t>
+            </a:r>
+            <a:r>
+              <a:rPr kumimoji="1" lang="ja-JP" altLang="en-US" dirty="0" smtClean="0"/>
+              <a:t>考ました。</a:t>
             </a:r>
             <a:endParaRPr kumimoji="1" lang="en-US" altLang="ja-JP" dirty="0" smtClean="0"/>
-          </a:p>
-          <a:p>
-            <a:r>
-              <a:rPr kumimoji="1" lang="ja-JP" altLang="en-US" dirty="0" smtClean="0"/>
-              <a:t>現在多くの人に利用されているＳＮＳは災害時のために作られたアプリケーションではないため、必要な情報以外の雑多な情報が検索を邪魔してしまう。</a:t>
-            </a:r>
-            <a:endParaRPr kumimoji="1" lang="en-US" altLang="ja-JP" dirty="0" smtClean="0"/>
-          </a:p>
-          <a:p>
-            <a:r>
-              <a:rPr kumimoji="1" lang="ja-JP" altLang="en-US" dirty="0" smtClean="0"/>
-              <a:t>私たちはそのような現状を考え災害の情報共有に特化したＳＮＳを作成しようと考えた。</a:t>
-            </a:r>
-            <a:endParaRPr kumimoji="1" lang="ja-JP" altLang="en-US" dirty="0"/>
           </a:p>
         </p:txBody>
       </p:sp>
@@ -676,15 +666,42 @@
           <a:p>
             <a:r>
               <a:rPr kumimoji="1" lang="ja-JP" altLang="en-US" dirty="0" smtClean="0"/>
-              <a:t>個人作成のアプリなどはあるがあまり利用されていない。</a:t>
+              <a:t>現在多くの人に利用されているＳＮＳは災害時のために作られたアプリケーションではないため、必要な情報以外の雑多な情報が検索を邪魔してしまう。</a:t>
             </a:r>
             <a:endParaRPr kumimoji="1" lang="en-US" altLang="ja-JP" dirty="0" smtClean="0"/>
           </a:p>
           <a:p>
             <a:r>
               <a:rPr kumimoji="1" lang="ja-JP" altLang="en-US" dirty="0" smtClean="0"/>
-              <a:t>この？の部分を切り開いていきたいと考えている。</a:t>
-            </a:r>
+              <a:t>私たちはそのような現状を考え災害の情報共有に特化したＳＮＳを作成しようと考えた。</a:t>
+            </a:r>
+          </a:p>
+          <a:p>
+            <a:endParaRPr kumimoji="1" lang="en-US" altLang="ja-JP" dirty="0" smtClean="0"/>
+          </a:p>
+          <a:p>
+            <a:r>
+              <a:rPr kumimoji="1" lang="ja-JP" altLang="en-US" dirty="0" smtClean="0"/>
+              <a:t>個人</a:t>
+            </a:r>
+            <a:r>
+              <a:rPr kumimoji="1" lang="ja-JP" altLang="en-US" dirty="0" smtClean="0"/>
+              <a:t>作成のアプリなどはあるがあまり利用されていない。</a:t>
+            </a:r>
+            <a:endParaRPr kumimoji="1" lang="en-US" altLang="ja-JP" dirty="0" smtClean="0"/>
+          </a:p>
+          <a:p>
+            <a:r>
+              <a:rPr kumimoji="1" lang="ja-JP" altLang="en-US" dirty="0" smtClean="0"/>
+              <a:t>この？の部分を切り開いていきたいと考えている</a:t>
+            </a:r>
+            <a:r>
+              <a:rPr kumimoji="1" lang="ja-JP" altLang="en-US" dirty="0" smtClean="0"/>
+              <a:t>。</a:t>
+            </a:r>
+            <a:endParaRPr kumimoji="1" lang="en-US" altLang="ja-JP" dirty="0" smtClean="0"/>
+          </a:p>
+          <a:p>
             <a:endParaRPr kumimoji="1" lang="ja-JP" altLang="en-US" dirty="0"/>
           </a:p>
         </p:txBody>
@@ -769,6 +786,17 @@
           <a:bodyPr/>
           <a:lstStyle/>
           <a:p>
+            <a:r>
+              <a:rPr kumimoji="1" lang="ja-JP" altLang="en-US" dirty="0" smtClean="0"/>
+              <a:t>設計書に添付されている機能一覧をご覧ください。</a:t>
+            </a:r>
+            <a:endParaRPr kumimoji="1" lang="en-US" altLang="ja-JP" dirty="0" smtClean="0"/>
+          </a:p>
+          <a:p>
+            <a:r>
+              <a:rPr kumimoji="1" lang="ja-JP" altLang="en-US" dirty="0" smtClean="0"/>
+              <a:t>こちらが実装を予定していた機能の一覧です。</a:t>
+            </a:r>
             <a:endParaRPr kumimoji="1" lang="ja-JP" altLang="en-US" dirty="0"/>
           </a:p>
         </p:txBody>
@@ -855,7 +883,18 @@
           <a:p>
             <a:r>
               <a:rPr kumimoji="1" lang="ja-JP" altLang="en-US" dirty="0" smtClean="0"/>
-              <a:t>大体半数以上の機能が完成しており、ほぼ順調に作業は進んでいる。</a:t>
+              <a:t>続いて、こちらが実際に実装が完了した機能の一覧です。</a:t>
+            </a:r>
+            <a:endParaRPr kumimoji="1" lang="en-US" altLang="ja-JP" dirty="0" smtClean="0"/>
+          </a:p>
+          <a:p>
+            <a:r>
+              <a:rPr kumimoji="1" lang="ja-JP" altLang="en-US" dirty="0" smtClean="0"/>
+              <a:t>大体</a:t>
+            </a:r>
+            <a:r>
+              <a:rPr kumimoji="1" lang="ja-JP" altLang="en-US" dirty="0" smtClean="0"/>
+              <a:t>半数以上の機能が完成しており、ほぼ順調に作業は進んでいる。</a:t>
             </a:r>
             <a:endParaRPr kumimoji="1" lang="ja-JP" altLang="en-US" dirty="0"/>
           </a:p>
@@ -943,7 +982,29 @@
           <a:p>
             <a:r>
               <a:rPr kumimoji="1" lang="ja-JP" altLang="en-US" dirty="0" smtClean="0"/>
-              <a:t>未実装の機能は順次完成に向けて取り組んでいく。</a:t>
+              <a:t>こちらは未実装の機能一覧です。</a:t>
+            </a:r>
+            <a:endParaRPr kumimoji="1" lang="en-US" altLang="ja-JP" dirty="0" smtClean="0"/>
+          </a:p>
+          <a:p>
+            <a:r>
+              <a:rPr kumimoji="1" lang="ja-JP" altLang="en-US" dirty="0" smtClean="0"/>
+              <a:t>未実装</a:t>
+            </a:r>
+            <a:r>
+              <a:rPr kumimoji="1" lang="ja-JP" altLang="en-US" dirty="0" smtClean="0"/>
+              <a:t>の機能は順次完成に向けて取り組んで</a:t>
+            </a:r>
+            <a:r>
+              <a:rPr kumimoji="1" lang="ja-JP" altLang="en-US" dirty="0" smtClean="0"/>
+              <a:t>いきます。</a:t>
+            </a:r>
+            <a:endParaRPr kumimoji="1" lang="en-US" altLang="ja-JP" dirty="0" smtClean="0"/>
+          </a:p>
+          <a:p>
+            <a:r>
+              <a:rPr kumimoji="1" lang="ja-JP" altLang="en-US" dirty="0" smtClean="0"/>
+              <a:t>実際に、実装済みの機能を動作させてみます。</a:t>
             </a:r>
             <a:endParaRPr kumimoji="1" lang="ja-JP" altLang="en-US" dirty="0"/>
           </a:p>
@@ -1340,7 +1401,7 @@
           <a:p>
             <a:fld id="{148A862D-7EA2-4366-8E25-D02863E5B387}" type="datetimeFigureOut">
               <a:rPr kumimoji="1" lang="ja-JP" altLang="en-US" smtClean="0"/>
-              <a:t>2020/11/25</a:t>
+              <a:t>2020/11/26</a:t>
             </a:fld>
             <a:endParaRPr kumimoji="1" lang="ja-JP" altLang="en-US"/>
           </a:p>
@@ -1542,7 +1603,7 @@
           <a:p>
             <a:fld id="{148A862D-7EA2-4366-8E25-D02863E5B387}" type="datetimeFigureOut">
               <a:rPr kumimoji="1" lang="ja-JP" altLang="en-US" smtClean="0"/>
-              <a:t>2020/11/25</a:t>
+              <a:t>2020/11/26</a:t>
             </a:fld>
             <a:endParaRPr kumimoji="1" lang="ja-JP" altLang="en-US"/>
           </a:p>
@@ -1754,7 +1815,7 @@
           <a:p>
             <a:fld id="{148A862D-7EA2-4366-8E25-D02863E5B387}" type="datetimeFigureOut">
               <a:rPr kumimoji="1" lang="ja-JP" altLang="en-US" smtClean="0"/>
-              <a:t>2020/11/25</a:t>
+              <a:t>2020/11/26</a:t>
             </a:fld>
             <a:endParaRPr kumimoji="1" lang="ja-JP" altLang="en-US"/>
           </a:p>
@@ -1956,7 +2017,7 @@
           <a:p>
             <a:fld id="{148A862D-7EA2-4366-8E25-D02863E5B387}" type="datetimeFigureOut">
               <a:rPr kumimoji="1" lang="ja-JP" altLang="en-US" smtClean="0"/>
-              <a:t>2020/11/25</a:t>
+              <a:t>2020/11/26</a:t>
             </a:fld>
             <a:endParaRPr kumimoji="1" lang="ja-JP" altLang="en-US"/>
           </a:p>
@@ -2202,7 +2263,7 @@
           <a:p>
             <a:fld id="{148A862D-7EA2-4366-8E25-D02863E5B387}" type="datetimeFigureOut">
               <a:rPr kumimoji="1" lang="ja-JP" altLang="en-US" smtClean="0"/>
-              <a:t>2020/11/25</a:t>
+              <a:t>2020/11/26</a:t>
             </a:fld>
             <a:endParaRPr kumimoji="1" lang="ja-JP" altLang="en-US"/>
           </a:p>
@@ -2498,7 +2559,7 @@
           <a:p>
             <a:fld id="{148A862D-7EA2-4366-8E25-D02863E5B387}" type="datetimeFigureOut">
               <a:rPr kumimoji="1" lang="ja-JP" altLang="en-US" smtClean="0"/>
-              <a:t>2020/11/25</a:t>
+              <a:t>2020/11/26</a:t>
             </a:fld>
             <a:endParaRPr kumimoji="1" lang="ja-JP" altLang="en-US"/>
           </a:p>
@@ -2929,7 +2990,7 @@
           <a:p>
             <a:fld id="{148A862D-7EA2-4366-8E25-D02863E5B387}" type="datetimeFigureOut">
               <a:rPr kumimoji="1" lang="ja-JP" altLang="en-US" smtClean="0"/>
-              <a:t>2020/11/25</a:t>
+              <a:t>2020/11/26</a:t>
             </a:fld>
             <a:endParaRPr kumimoji="1" lang="ja-JP" altLang="en-US"/>
           </a:p>
@@ -3047,7 +3108,7 @@
           <a:p>
             <a:fld id="{148A862D-7EA2-4366-8E25-D02863E5B387}" type="datetimeFigureOut">
               <a:rPr kumimoji="1" lang="ja-JP" altLang="en-US" smtClean="0"/>
-              <a:t>2020/11/25</a:t>
+              <a:t>2020/11/26</a:t>
             </a:fld>
             <a:endParaRPr kumimoji="1" lang="ja-JP" altLang="en-US"/>
           </a:p>
@@ -3142,7 +3203,7 @@
           <a:p>
             <a:fld id="{148A862D-7EA2-4366-8E25-D02863E5B387}" type="datetimeFigureOut">
               <a:rPr kumimoji="1" lang="ja-JP" altLang="en-US" smtClean="0"/>
-              <a:t>2020/11/25</a:t>
+              <a:t>2020/11/26</a:t>
             </a:fld>
             <a:endParaRPr kumimoji="1" lang="ja-JP" altLang="en-US"/>
           </a:p>
@@ -3451,7 +3512,7 @@
           <a:p>
             <a:fld id="{148A862D-7EA2-4366-8E25-D02863E5B387}" type="datetimeFigureOut">
               <a:rPr kumimoji="1" lang="ja-JP" altLang="en-US" smtClean="0"/>
-              <a:t>2020/11/25</a:t>
+              <a:t>2020/11/26</a:t>
             </a:fld>
             <a:endParaRPr kumimoji="1" lang="ja-JP" altLang="en-US"/>
           </a:p>
@@ -3704,7 +3765,7 @@
           <a:p>
             <a:fld id="{148A862D-7EA2-4366-8E25-D02863E5B387}" type="datetimeFigureOut">
               <a:rPr kumimoji="1" lang="ja-JP" altLang="en-US" smtClean="0"/>
-              <a:t>2020/11/25</a:t>
+              <a:t>2020/11/26</a:t>
             </a:fld>
             <a:endParaRPr kumimoji="1" lang="ja-JP" altLang="en-US"/>
           </a:p>
@@ -3949,7 +4010,7 @@
           <a:p>
             <a:fld id="{148A862D-7EA2-4366-8E25-D02863E5B387}" type="datetimeFigureOut">
               <a:rPr kumimoji="1" lang="ja-JP" altLang="en-US" smtClean="0"/>
-              <a:t>2020/11/25</a:t>
+              <a:t>2020/11/26</a:t>
             </a:fld>
             <a:endParaRPr kumimoji="1" lang="ja-JP" altLang="en-US"/>
           </a:p>
@@ -5751,9 +5812,52 @@
           </a:p>
         </p:txBody>
       </p:sp>
+      <p:sp>
+        <p:nvSpPr>
+          <p:cNvPr id="9" name="テキスト ボックス 8"/>
+          <p:cNvSpPr txBox="1"/>
+          <p:nvPr/>
+        </p:nvSpPr>
+        <p:spPr>
+          <a:xfrm>
+            <a:off x="6096000" y="5550408"/>
+            <a:ext cx="5029902" cy="707886"/>
+          </a:xfrm>
+          <a:prstGeom prst="rect">
+            <a:avLst/>
+          </a:prstGeom>
+          <a:noFill/>
+        </p:spPr>
+        <p:txBody>
+          <a:bodyPr wrap="square" rtlCol="0">
+            <a:spAutoFit/>
+          </a:bodyPr>
+          <a:lstStyle/>
+          <a:p>
+            <a:r>
+              <a:rPr kumimoji="1" lang="ja-JP" altLang="en-US" sz="4000" dirty="0" smtClean="0">
+                <a:latin typeface="HG創英角ｺﾞｼｯｸUB" panose="020B0909000000000000" pitchFamily="49" charset="-128"/>
+                <a:ea typeface="HG創英角ｺﾞｼｯｸUB" panose="020B0909000000000000" pitchFamily="49" charset="-128"/>
+              </a:rPr>
+              <a:t>１６項目中</a:t>
+            </a:r>
+            <a:r>
+              <a:rPr kumimoji="1" lang="ja-JP" altLang="en-US" sz="4000" dirty="0" smtClean="0">
+                <a:latin typeface="HG創英角ｺﾞｼｯｸUB" panose="020B0909000000000000" pitchFamily="49" charset="-128"/>
+                <a:ea typeface="HG創英角ｺﾞｼｯｸUB" panose="020B0909000000000000" pitchFamily="49" charset="-128"/>
+              </a:rPr>
+              <a:t>１０項目</a:t>
+            </a:r>
+            <a:endParaRPr kumimoji="1" lang="ja-JP" altLang="en-US" sz="4000" dirty="0">
+              <a:latin typeface="HG創英角ｺﾞｼｯｸUB" panose="020B0909000000000000" pitchFamily="49" charset="-128"/>
+              <a:ea typeface="HG創英角ｺﾞｼｯｸUB" panose="020B0909000000000000" pitchFamily="49" charset="-128"/>
+            </a:endParaRPr>
+          </a:p>
+        </p:txBody>
+      </p:sp>
       <p:pic>
         <p:nvPicPr>
-          <p:cNvPr id="8" name="図 7"/>
+          <p:cNvPr id="3" name="図 2"/>
           <p:cNvPicPr>
             <a:picLocks noChangeAspect="1"/>
           </p:cNvPicPr>
@@ -5767,50 +5871,14 @@
         </p:blipFill>
         <p:spPr>
           <a:xfrm>
-            <a:off x="1066098" y="1766655"/>
-            <a:ext cx="10059804" cy="3324689"/>
+            <a:off x="555086" y="2083563"/>
+            <a:ext cx="11081828" cy="2690873"/>
           </a:xfrm>
           <a:prstGeom prst="rect">
             <a:avLst/>
           </a:prstGeom>
         </p:spPr>
       </p:pic>
-      <p:sp>
-        <p:nvSpPr>
-          <p:cNvPr id="9" name="テキスト ボックス 8"/>
-          <p:cNvSpPr txBox="1"/>
-          <p:nvPr/>
-        </p:nvSpPr>
-        <p:spPr>
-          <a:xfrm>
-            <a:off x="6096000" y="5550408"/>
-            <a:ext cx="5029902" cy="707886"/>
-          </a:xfrm>
-          <a:prstGeom prst="rect">
-            <a:avLst/>
-          </a:prstGeom>
-          <a:noFill/>
-        </p:spPr>
-        <p:txBody>
-          <a:bodyPr wrap="square" rtlCol="0">
-            <a:spAutoFit/>
-          </a:bodyPr>
-          <a:lstStyle/>
-          <a:p>
-            <a:r>
-              <a:rPr kumimoji="1" lang="ja-JP" altLang="en-US" sz="4000" dirty="0" smtClean="0">
-                <a:latin typeface="HG創英角ｺﾞｼｯｸUB" panose="020B0909000000000000" pitchFamily="49" charset="-128"/>
-                <a:ea typeface="HG創英角ｺﾞｼｯｸUB" panose="020B0909000000000000" pitchFamily="49" charset="-128"/>
-              </a:rPr>
-              <a:t>１６項目中１１項目</a:t>
-            </a:r>
-            <a:endParaRPr kumimoji="1" lang="ja-JP" altLang="en-US" sz="4000" dirty="0">
-              <a:latin typeface="HG創英角ｺﾞｼｯｸUB" panose="020B0909000000000000" pitchFamily="49" charset="-128"/>
-              <a:ea typeface="HG創英角ｺﾞｼｯｸUB" panose="020B0909000000000000" pitchFamily="49" charset="-128"/>
-            </a:endParaRPr>
-          </a:p>
-        </p:txBody>
-      </p:sp>
     </p:spTree>
     <p:extLst>
       <p:ext uri="{BB962C8B-B14F-4D97-AF65-F5344CB8AC3E}">
@@ -6024,11 +6092,7 @@
           <a:p>
             <a:r>
               <a:rPr kumimoji="1" lang="ja-JP" altLang="en-US" dirty="0" smtClean="0"/>
-              <a:t>フロントサイドは７割がた完成している</a:t>
-            </a:r>
-            <a:r>
-              <a:rPr kumimoji="1" lang="ja-JP" altLang="en-US" dirty="0" smtClean="0"/>
-              <a:t>。</a:t>
+              <a:t>フロントサイドは７割がた完成している。</a:t>
             </a:r>
             <a:endParaRPr kumimoji="1" lang="en-US" altLang="ja-JP" dirty="0" smtClean="0"/>
           </a:p>
